--- a/Orientation/session1_R/Session1_IntroR.pptx
+++ b/Orientation/session1_R/Session1_IntroR.pptx
@@ -238,7 +238,7 @@
           <a:p>
             <a:fld id="{A8F98D06-D9B8-6844-B4FD-22BBB0C728EE}" type="datetimeFigureOut">
               <a:rPr lang="en-US" smtClean="0"/>
-              <a:t>8/15/21</a:t>
+              <a:t>8/20/22</a:t>
             </a:fld>
             <a:endParaRPr lang="en-US"/>
           </a:p>
@@ -404,7 +404,7 @@
           <a:p>
             <a:fld id="{D8520A95-0D6E-A342-82A5-BD88424111A3}" type="datetimeFigureOut">
               <a:rPr lang="en-US" smtClean="0"/>
-              <a:t>8/15/21</a:t>
+              <a:t>8/20/22</a:t>
             </a:fld>
             <a:endParaRPr lang="en-US"/>
           </a:p>
@@ -1734,7 +1734,7 @@
           <a:p>
             <a:fld id="{FF6395B4-3121-E14B-9EFC-6BC9B69AABBD}" type="datetime1">
               <a:rPr lang="en-US" smtClean="0"/>
-              <a:t>8/15/21</a:t>
+              <a:t>8/20/22</a:t>
             </a:fld>
             <a:endParaRPr lang="en-US"/>
           </a:p>
@@ -2001,7 +2001,7 @@
           <a:p>
             <a:fld id="{609A50AE-7AE7-0C4F-A729-9442E2E7FC2F}" type="datetime1">
               <a:rPr lang="en-US" smtClean="0"/>
-              <a:t>8/15/21</a:t>
+              <a:t>8/20/22</a:t>
             </a:fld>
             <a:endParaRPr lang="en-US"/>
           </a:p>
@@ -2241,7 +2241,7 @@
           <a:p>
             <a:fld id="{9FF97D59-E01B-4C4A-9827-0838858A6B35}" type="datetime1">
               <a:rPr lang="en-US" smtClean="0"/>
-              <a:t>8/15/21</a:t>
+              <a:t>8/20/22</a:t>
             </a:fld>
             <a:endParaRPr lang="en-US"/>
           </a:p>
@@ -2828,7 +2828,7 @@
             <a:fld id="{B6AA3F28-84DD-1E4E-8895-483050C6B474}" type="datetime1">
               <a:rPr lang="en-US" smtClean="0"/>
               <a:pPr/>
-              <a:t>8/15/21</a:t>
+              <a:t>8/20/22</a:t>
             </a:fld>
             <a:endParaRPr lang="en-US"/>
           </a:p>
@@ -3148,7 +3148,7 @@
           <a:p>
             <a:fld id="{0EA7F478-7898-8443-8F69-B3DAA4312830}" type="datetime1">
               <a:rPr lang="en-US" smtClean="0"/>
-              <a:t>8/15/21</a:t>
+              <a:t>8/20/22</a:t>
             </a:fld>
             <a:endParaRPr lang="en-US"/>
           </a:p>
@@ -3455,7 +3455,7 @@
           <a:p>
             <a:fld id="{FD3F1E79-B560-514A-B9C3-BF49AF3B915B}" type="datetime1">
               <a:rPr lang="en-US" smtClean="0"/>
-              <a:t>8/15/21</a:t>
+              <a:t>8/20/22</a:t>
             </a:fld>
             <a:endParaRPr lang="en-US"/>
           </a:p>
@@ -3882,7 +3882,7 @@
           <a:p>
             <a:fld id="{D7995CC5-9BFF-8848-9AFD-081A8B20DB96}" type="datetime1">
               <a:rPr lang="en-US" smtClean="0"/>
-              <a:t>8/15/21</a:t>
+              <a:t>8/20/22</a:t>
             </a:fld>
             <a:endParaRPr lang="en-US"/>
           </a:p>
@@ -3982,7 +3982,7 @@
           <a:p>
             <a:fld id="{A3072B55-7817-1443-84B9-3F63F952BC1B}" type="datetime1">
               <a:rPr lang="en-US" smtClean="0"/>
-              <a:t>8/15/21</a:t>
+              <a:t>8/20/22</a:t>
             </a:fld>
             <a:endParaRPr lang="en-US"/>
           </a:p>
@@ -4149,7 +4149,7 @@
           <a:p>
             <a:fld id="{C13453B2-115B-4C4D-B69D-EBAB6314C723}" type="datetime1">
               <a:rPr lang="en-US" smtClean="0"/>
-              <a:t>8/15/21</a:t>
+              <a:t>8/20/22</a:t>
             </a:fld>
             <a:endParaRPr lang="en-US"/>
           </a:p>
@@ -4532,7 +4532,7 @@
           <a:p>
             <a:fld id="{9F0C5074-48AE-C74B-9141-6651C6448905}" type="datetime1">
               <a:rPr lang="en-US" smtClean="0"/>
-              <a:t>8/15/21</a:t>
+              <a:t>8/20/22</a:t>
             </a:fld>
             <a:endParaRPr lang="en-US"/>
           </a:p>
@@ -4826,7 +4826,7 @@
           <a:p>
             <a:fld id="{FEF5166C-D30A-9943-A49C-B7776224A779}" type="datetime1">
               <a:rPr lang="en-US" smtClean="0"/>
-              <a:t>8/15/21</a:t>
+              <a:t>8/20/22</a:t>
             </a:fld>
             <a:endParaRPr lang="en-US"/>
           </a:p>
@@ -5043,7 +5043,7 @@
             <a:fld id="{0540A78A-DDE1-D940-857A-299ACFDF0964}" type="datetime1">
               <a:rPr lang="en-US" smtClean="0"/>
               <a:pPr/>
-              <a:t>8/15/21</a:t>
+              <a:t>8/20/22</a:t>
             </a:fld>
             <a:endParaRPr lang="en-US"/>
           </a:p>
@@ -5714,7 +5714,7 @@
             </a:r>
             <a:r>
               <a:rPr lang="en-US" sz="1600" dirty="0"/>
-              <a:t> Orientation 2021</a:t>
+              <a:t> Orientation 2022</a:t>
             </a:r>
           </a:p>
         </p:txBody>
